--- a/웹프로그래밍 기말시험, 2018103297, 전찬혁_보고서.pptx
+++ b/웹프로그래밍 기말시험, 2018103297, 전찬혁_보고서.pptx
@@ -17,6 +17,7 @@
     <p:sldId id="271" r:id="rId11"/>
     <p:sldId id="269" r:id="rId12"/>
     <p:sldId id="270" r:id="rId13"/>
+    <p:sldId id="272" r:id="rId14"/>
   </p:sldIdLst>
   <p:sldSz cx="12192000" cy="6858000"/>
   <p:notesSz cx="6858000" cy="9144000"/>
@@ -270,7 +271,7 @@
           <a:p>
             <a:fld id="{6DB6BE45-F664-4EC8-9F17-E745434129A3}" type="datetimeFigureOut">
               <a:rPr lang="ko-KR" altLang="en-US" smtClean="0"/>
-              <a:t>2020-12-21</a:t>
+              <a:t>2022-03-30</a:t>
             </a:fld>
             <a:endParaRPr lang="ko-KR" altLang="en-US"/>
           </a:p>
@@ -468,7 +469,7 @@
           <a:p>
             <a:fld id="{6DB6BE45-F664-4EC8-9F17-E745434129A3}" type="datetimeFigureOut">
               <a:rPr lang="ko-KR" altLang="en-US" smtClean="0"/>
-              <a:t>2020-12-21</a:t>
+              <a:t>2022-03-30</a:t>
             </a:fld>
             <a:endParaRPr lang="ko-KR" altLang="en-US"/>
           </a:p>
@@ -676,7 +677,7 @@
           <a:p>
             <a:fld id="{6DB6BE45-F664-4EC8-9F17-E745434129A3}" type="datetimeFigureOut">
               <a:rPr lang="ko-KR" altLang="en-US" smtClean="0"/>
-              <a:t>2020-12-21</a:t>
+              <a:t>2022-03-30</a:t>
             </a:fld>
             <a:endParaRPr lang="ko-KR" altLang="en-US"/>
           </a:p>
@@ -874,7 +875,7 @@
           <a:p>
             <a:fld id="{6DB6BE45-F664-4EC8-9F17-E745434129A3}" type="datetimeFigureOut">
               <a:rPr lang="ko-KR" altLang="en-US" smtClean="0"/>
-              <a:t>2020-12-21</a:t>
+              <a:t>2022-03-30</a:t>
             </a:fld>
             <a:endParaRPr lang="ko-KR" altLang="en-US"/>
           </a:p>
@@ -1149,7 +1150,7 @@
           <a:p>
             <a:fld id="{6DB6BE45-F664-4EC8-9F17-E745434129A3}" type="datetimeFigureOut">
               <a:rPr lang="ko-KR" altLang="en-US" smtClean="0"/>
-              <a:t>2020-12-21</a:t>
+              <a:t>2022-03-30</a:t>
             </a:fld>
             <a:endParaRPr lang="ko-KR" altLang="en-US"/>
           </a:p>
@@ -1414,7 +1415,7 @@
           <a:p>
             <a:fld id="{6DB6BE45-F664-4EC8-9F17-E745434129A3}" type="datetimeFigureOut">
               <a:rPr lang="ko-KR" altLang="en-US" smtClean="0"/>
-              <a:t>2020-12-21</a:t>
+              <a:t>2022-03-30</a:t>
             </a:fld>
             <a:endParaRPr lang="ko-KR" altLang="en-US"/>
           </a:p>
@@ -1826,7 +1827,7 @@
           <a:p>
             <a:fld id="{6DB6BE45-F664-4EC8-9F17-E745434129A3}" type="datetimeFigureOut">
               <a:rPr lang="ko-KR" altLang="en-US" smtClean="0"/>
-              <a:t>2020-12-21</a:t>
+              <a:t>2022-03-30</a:t>
             </a:fld>
             <a:endParaRPr lang="ko-KR" altLang="en-US"/>
           </a:p>
@@ -1967,7 +1968,7 @@
           <a:p>
             <a:fld id="{6DB6BE45-F664-4EC8-9F17-E745434129A3}" type="datetimeFigureOut">
               <a:rPr lang="ko-KR" altLang="en-US" smtClean="0"/>
-              <a:t>2020-12-21</a:t>
+              <a:t>2022-03-30</a:t>
             </a:fld>
             <a:endParaRPr lang="ko-KR" altLang="en-US"/>
           </a:p>
@@ -2080,7 +2081,7 @@
           <a:p>
             <a:fld id="{6DB6BE45-F664-4EC8-9F17-E745434129A3}" type="datetimeFigureOut">
               <a:rPr lang="ko-KR" altLang="en-US" smtClean="0"/>
-              <a:t>2020-12-21</a:t>
+              <a:t>2022-03-30</a:t>
             </a:fld>
             <a:endParaRPr lang="ko-KR" altLang="en-US"/>
           </a:p>
@@ -2391,7 +2392,7 @@
           <a:p>
             <a:fld id="{6DB6BE45-F664-4EC8-9F17-E745434129A3}" type="datetimeFigureOut">
               <a:rPr lang="ko-KR" altLang="en-US" smtClean="0"/>
-              <a:t>2020-12-21</a:t>
+              <a:t>2022-03-30</a:t>
             </a:fld>
             <a:endParaRPr lang="ko-KR" altLang="en-US"/>
           </a:p>
@@ -2679,7 +2680,7 @@
           <a:p>
             <a:fld id="{6DB6BE45-F664-4EC8-9F17-E745434129A3}" type="datetimeFigureOut">
               <a:rPr lang="ko-KR" altLang="en-US" smtClean="0"/>
-              <a:t>2020-12-21</a:t>
+              <a:t>2022-03-30</a:t>
             </a:fld>
             <a:endParaRPr lang="ko-KR" altLang="en-US"/>
           </a:p>
@@ -2920,7 +2921,7 @@
           <a:p>
             <a:fld id="{6DB6BE45-F664-4EC8-9F17-E745434129A3}" type="datetimeFigureOut">
               <a:rPr lang="ko-KR" altLang="en-US" smtClean="0"/>
-              <a:t>2020-12-21</a:t>
+              <a:t>2022-03-30</a:t>
             </a:fld>
             <a:endParaRPr lang="ko-KR" altLang="en-US"/>
           </a:p>
@@ -3900,6 +3901,2154 @@
 </p:sld>
 </file>
 
+<file path=ppt/slides/slide13.xml><?xml version="1.0" encoding="utf-8"?>
+<p:sld xmlns:a="http://schemas.openxmlformats.org/drawingml/2006/main" xmlns:r="http://schemas.openxmlformats.org/officeDocument/2006/relationships" xmlns:p="http://schemas.openxmlformats.org/presentationml/2006/main">
+  <p:cSld>
+    <p:spTree>
+      <p:nvGrpSpPr>
+        <p:cNvPr id="1" name=""/>
+        <p:cNvGrpSpPr/>
+        <p:nvPr/>
+      </p:nvGrpSpPr>
+      <p:grpSpPr>
+        <a:xfrm>
+          <a:off x="0" y="0"/>
+          <a:ext cx="0" cy="0"/>
+          <a:chOff x="0" y="0"/>
+          <a:chExt cx="0" cy="0"/>
+        </a:xfrm>
+      </p:grpSpPr>
+      <p:sp>
+        <p:nvSpPr>
+          <p:cNvPr id="2" name="직사각형 1">
+            <a:extLst>
+              <a:ext uri="{FF2B5EF4-FFF2-40B4-BE49-F238E27FC236}">
+                <a16:creationId xmlns:a16="http://schemas.microsoft.com/office/drawing/2014/main" id="{54077620-3269-489B-9BE7-6128FF0907AA}"/>
+              </a:ext>
+            </a:extLst>
+          </p:cNvPr>
+          <p:cNvSpPr/>
+          <p:nvPr/>
+        </p:nvSpPr>
+        <p:spPr>
+          <a:xfrm>
+            <a:off x="488272" y="355107"/>
+            <a:ext cx="2024109" cy="6063447"/>
+          </a:xfrm>
+          <a:prstGeom prst="rect">
+            <a:avLst/>
+          </a:prstGeom>
+          <a:noFill/>
+          <a:ln w="28575"/>
+        </p:spPr>
+        <p:style>
+          <a:lnRef idx="2">
+            <a:schemeClr val="accent1">
+              <a:shade val="50000"/>
+            </a:schemeClr>
+          </a:lnRef>
+          <a:fillRef idx="1">
+            <a:schemeClr val="accent1"/>
+          </a:fillRef>
+          <a:effectRef idx="0">
+            <a:schemeClr val="accent1"/>
+          </a:effectRef>
+          <a:fontRef idx="minor">
+            <a:schemeClr val="lt1"/>
+          </a:fontRef>
+        </p:style>
+        <p:txBody>
+          <a:bodyPr rtlCol="0" anchor="ctr"/>
+          <a:lstStyle/>
+          <a:p>
+            <a:pPr algn="ctr"/>
+            <a:endParaRPr lang="ko-KR" altLang="en-US"/>
+          </a:p>
+        </p:txBody>
+      </p:sp>
+      <p:sp>
+        <p:nvSpPr>
+          <p:cNvPr id="3" name="TextBox 2">
+            <a:extLst>
+              <a:ext uri="{FF2B5EF4-FFF2-40B4-BE49-F238E27FC236}">
+                <a16:creationId xmlns:a16="http://schemas.microsoft.com/office/drawing/2014/main" id="{4C3AC2EE-6BE0-46D7-95BB-994EA2740DB6}"/>
+              </a:ext>
+            </a:extLst>
+          </p:cNvPr>
+          <p:cNvSpPr txBox="1"/>
+          <p:nvPr/>
+        </p:nvSpPr>
+        <p:spPr>
+          <a:xfrm>
+            <a:off x="1110635" y="439446"/>
+            <a:ext cx="779381" cy="369332"/>
+          </a:xfrm>
+          <a:prstGeom prst="rect">
+            <a:avLst/>
+          </a:prstGeom>
+          <a:noFill/>
+        </p:spPr>
+        <p:txBody>
+          <a:bodyPr wrap="none" rtlCol="0">
+            <a:spAutoFit/>
+          </a:bodyPr>
+          <a:lstStyle/>
+          <a:p>
+            <a:r>
+              <a:rPr lang="en-US" altLang="ko-KR" dirty="0"/>
+              <a:t>Client</a:t>
+            </a:r>
+            <a:endParaRPr lang="ko-KR" altLang="en-US" dirty="0"/>
+          </a:p>
+        </p:txBody>
+      </p:sp>
+      <p:sp>
+        <p:nvSpPr>
+          <p:cNvPr id="4" name="직사각형 3">
+            <a:extLst>
+              <a:ext uri="{FF2B5EF4-FFF2-40B4-BE49-F238E27FC236}">
+                <a16:creationId xmlns:a16="http://schemas.microsoft.com/office/drawing/2014/main" id="{FB922FD4-C496-4789-AF04-B2ABDDD6350F}"/>
+              </a:ext>
+            </a:extLst>
+          </p:cNvPr>
+          <p:cNvSpPr/>
+          <p:nvPr/>
+        </p:nvSpPr>
+        <p:spPr>
+          <a:xfrm>
+            <a:off x="3417904" y="355107"/>
+            <a:ext cx="5230426" cy="6063447"/>
+          </a:xfrm>
+          <a:prstGeom prst="rect">
+            <a:avLst/>
+          </a:prstGeom>
+          <a:noFill/>
+          <a:ln w="28575"/>
+        </p:spPr>
+        <p:style>
+          <a:lnRef idx="2">
+            <a:schemeClr val="accent1">
+              <a:shade val="50000"/>
+            </a:schemeClr>
+          </a:lnRef>
+          <a:fillRef idx="1">
+            <a:schemeClr val="accent1"/>
+          </a:fillRef>
+          <a:effectRef idx="0">
+            <a:schemeClr val="accent1"/>
+          </a:effectRef>
+          <a:fontRef idx="minor">
+            <a:schemeClr val="lt1"/>
+          </a:fontRef>
+        </p:style>
+        <p:txBody>
+          <a:bodyPr rtlCol="0" anchor="ctr"/>
+          <a:lstStyle/>
+          <a:p>
+            <a:pPr algn="ctr"/>
+            <a:endParaRPr lang="ko-KR" altLang="en-US"/>
+          </a:p>
+        </p:txBody>
+      </p:sp>
+      <p:sp>
+        <p:nvSpPr>
+          <p:cNvPr id="5" name="직사각형 4">
+            <a:extLst>
+              <a:ext uri="{FF2B5EF4-FFF2-40B4-BE49-F238E27FC236}">
+                <a16:creationId xmlns:a16="http://schemas.microsoft.com/office/drawing/2014/main" id="{82F176B1-6B9C-433E-AFEF-B1E119B8C59C}"/>
+              </a:ext>
+            </a:extLst>
+          </p:cNvPr>
+          <p:cNvSpPr/>
+          <p:nvPr/>
+        </p:nvSpPr>
+        <p:spPr>
+          <a:xfrm>
+            <a:off x="9859275" y="2945351"/>
+            <a:ext cx="2175029" cy="1260629"/>
+          </a:xfrm>
+          <a:prstGeom prst="rect">
+            <a:avLst/>
+          </a:prstGeom>
+          <a:noFill/>
+          <a:ln w="28575">
+            <a:solidFill>
+              <a:srgbClr val="C00000"/>
+            </a:solidFill>
+          </a:ln>
+        </p:spPr>
+        <p:style>
+          <a:lnRef idx="2">
+            <a:schemeClr val="accent1">
+              <a:shade val="50000"/>
+            </a:schemeClr>
+          </a:lnRef>
+          <a:fillRef idx="1">
+            <a:schemeClr val="accent1"/>
+          </a:fillRef>
+          <a:effectRef idx="0">
+            <a:schemeClr val="accent1"/>
+          </a:effectRef>
+          <a:fontRef idx="minor">
+            <a:schemeClr val="lt1"/>
+          </a:fontRef>
+        </p:style>
+        <p:txBody>
+          <a:bodyPr rtlCol="0" anchor="ctr"/>
+          <a:lstStyle/>
+          <a:p>
+            <a:pPr algn="ctr"/>
+            <a:endParaRPr lang="ko-KR" altLang="en-US"/>
+          </a:p>
+        </p:txBody>
+      </p:sp>
+      <p:sp>
+        <p:nvSpPr>
+          <p:cNvPr id="6" name="TextBox 5">
+            <a:extLst>
+              <a:ext uri="{FF2B5EF4-FFF2-40B4-BE49-F238E27FC236}">
+                <a16:creationId xmlns:a16="http://schemas.microsoft.com/office/drawing/2014/main" id="{D457F24F-9599-4014-A8CF-45D2C43001E1}"/>
+              </a:ext>
+            </a:extLst>
+          </p:cNvPr>
+          <p:cNvSpPr txBox="1"/>
+          <p:nvPr/>
+        </p:nvSpPr>
+        <p:spPr>
+          <a:xfrm>
+            <a:off x="10508207" y="3386830"/>
+            <a:ext cx="877163" cy="369332"/>
+          </a:xfrm>
+          <a:prstGeom prst="rect">
+            <a:avLst/>
+          </a:prstGeom>
+          <a:noFill/>
+        </p:spPr>
+        <p:txBody>
+          <a:bodyPr wrap="none" rtlCol="0">
+            <a:spAutoFit/>
+          </a:bodyPr>
+          <a:lstStyle/>
+          <a:p>
+            <a:r>
+              <a:rPr lang="ko-KR" altLang="en-US"/>
+              <a:t>네이버</a:t>
+            </a:r>
+            <a:endParaRPr lang="ko-KR" altLang="en-US" dirty="0"/>
+          </a:p>
+        </p:txBody>
+      </p:sp>
+      <p:sp>
+        <p:nvSpPr>
+          <p:cNvPr id="7" name="직사각형 6">
+            <a:extLst>
+              <a:ext uri="{FF2B5EF4-FFF2-40B4-BE49-F238E27FC236}">
+                <a16:creationId xmlns:a16="http://schemas.microsoft.com/office/drawing/2014/main" id="{FE15BAAD-321B-42E9-AFAB-7B8678A15523}"/>
+              </a:ext>
+            </a:extLst>
+          </p:cNvPr>
+          <p:cNvSpPr/>
+          <p:nvPr/>
+        </p:nvSpPr>
+        <p:spPr>
+          <a:xfrm>
+            <a:off x="3650202" y="1143251"/>
+            <a:ext cx="4891596" cy="554700"/>
+          </a:xfrm>
+          <a:prstGeom prst="rect">
+            <a:avLst/>
+          </a:prstGeom>
+          <a:noFill/>
+          <a:ln w="28575"/>
+        </p:spPr>
+        <p:style>
+          <a:lnRef idx="2">
+            <a:schemeClr val="accent1">
+              <a:shade val="50000"/>
+            </a:schemeClr>
+          </a:lnRef>
+          <a:fillRef idx="1">
+            <a:schemeClr val="accent1"/>
+          </a:fillRef>
+          <a:effectRef idx="0">
+            <a:schemeClr val="accent1"/>
+          </a:effectRef>
+          <a:fontRef idx="minor">
+            <a:schemeClr val="lt1"/>
+          </a:fontRef>
+        </p:style>
+        <p:txBody>
+          <a:bodyPr rtlCol="0" anchor="ctr"/>
+          <a:lstStyle/>
+          <a:p>
+            <a:pPr algn="ctr"/>
+            <a:endParaRPr lang="ko-KR" altLang="en-US"/>
+          </a:p>
+        </p:txBody>
+      </p:sp>
+      <p:sp>
+        <p:nvSpPr>
+          <p:cNvPr id="8" name="직사각형 7">
+            <a:extLst>
+              <a:ext uri="{FF2B5EF4-FFF2-40B4-BE49-F238E27FC236}">
+                <a16:creationId xmlns:a16="http://schemas.microsoft.com/office/drawing/2014/main" id="{9836C59E-B8D3-4623-830F-11112A2CA3B2}"/>
+              </a:ext>
+            </a:extLst>
+          </p:cNvPr>
+          <p:cNvSpPr/>
+          <p:nvPr/>
+        </p:nvSpPr>
+        <p:spPr>
+          <a:xfrm>
+            <a:off x="488272" y="3428999"/>
+            <a:ext cx="2024109" cy="2989555"/>
+          </a:xfrm>
+          <a:prstGeom prst="rect">
+            <a:avLst/>
+          </a:prstGeom>
+          <a:noFill/>
+          <a:ln w="28575"/>
+        </p:spPr>
+        <p:style>
+          <a:lnRef idx="2">
+            <a:schemeClr val="accent1">
+              <a:shade val="50000"/>
+            </a:schemeClr>
+          </a:lnRef>
+          <a:fillRef idx="1">
+            <a:schemeClr val="accent1"/>
+          </a:fillRef>
+          <a:effectRef idx="0">
+            <a:schemeClr val="accent1"/>
+          </a:effectRef>
+          <a:fontRef idx="minor">
+            <a:schemeClr val="lt1"/>
+          </a:fontRef>
+        </p:style>
+        <p:txBody>
+          <a:bodyPr rtlCol="0" anchor="ctr"/>
+          <a:lstStyle/>
+          <a:p>
+            <a:pPr algn="ctr"/>
+            <a:endParaRPr lang="ko-KR" altLang="en-US"/>
+          </a:p>
+        </p:txBody>
+      </p:sp>
+      <p:sp>
+        <p:nvSpPr>
+          <p:cNvPr id="9" name="TextBox 8">
+            <a:extLst>
+              <a:ext uri="{FF2B5EF4-FFF2-40B4-BE49-F238E27FC236}">
+                <a16:creationId xmlns:a16="http://schemas.microsoft.com/office/drawing/2014/main" id="{3216E330-78E8-4F54-BB7B-AF3A6CA05E20}"/>
+              </a:ext>
+            </a:extLst>
+          </p:cNvPr>
+          <p:cNvSpPr txBox="1"/>
+          <p:nvPr/>
+        </p:nvSpPr>
+        <p:spPr>
+          <a:xfrm>
+            <a:off x="4332927" y="1266344"/>
+            <a:ext cx="1390124" cy="369332"/>
+          </a:xfrm>
+          <a:prstGeom prst="rect">
+            <a:avLst/>
+          </a:prstGeom>
+          <a:noFill/>
+        </p:spPr>
+        <p:txBody>
+          <a:bodyPr wrap="none" rtlCol="0">
+            <a:spAutoFit/>
+          </a:bodyPr>
+          <a:lstStyle/>
+          <a:p>
+            <a:r>
+              <a:rPr lang="en-US" altLang="ko-KR" dirty="0" err="1"/>
+              <a:t>Views.index</a:t>
+            </a:r>
+            <a:endParaRPr lang="ko-KR" altLang="en-US" dirty="0"/>
+          </a:p>
+        </p:txBody>
+      </p:sp>
+      <p:sp>
+        <p:nvSpPr>
+          <p:cNvPr id="10" name="TextBox 9">
+            <a:extLst>
+              <a:ext uri="{FF2B5EF4-FFF2-40B4-BE49-F238E27FC236}">
+                <a16:creationId xmlns:a16="http://schemas.microsoft.com/office/drawing/2014/main" id="{FDEBEA55-6850-4964-991A-7FDF6CEE771E}"/>
+              </a:ext>
+            </a:extLst>
+          </p:cNvPr>
+          <p:cNvSpPr txBox="1"/>
+          <p:nvPr/>
+        </p:nvSpPr>
+        <p:spPr>
+          <a:xfrm>
+            <a:off x="5643426" y="439446"/>
+            <a:ext cx="840808" cy="369332"/>
+          </a:xfrm>
+          <a:prstGeom prst="rect">
+            <a:avLst/>
+          </a:prstGeom>
+          <a:noFill/>
+        </p:spPr>
+        <p:txBody>
+          <a:bodyPr wrap="none" rtlCol="0">
+            <a:spAutoFit/>
+          </a:bodyPr>
+          <a:lstStyle/>
+          <a:p>
+            <a:r>
+              <a:rPr lang="en-US" altLang="ko-KR" dirty="0"/>
+              <a:t>Server</a:t>
+            </a:r>
+            <a:endParaRPr lang="ko-KR" altLang="en-US" dirty="0"/>
+          </a:p>
+        </p:txBody>
+      </p:sp>
+      <p:sp>
+        <p:nvSpPr>
+          <p:cNvPr id="11" name="직사각형 10">
+            <a:extLst>
+              <a:ext uri="{FF2B5EF4-FFF2-40B4-BE49-F238E27FC236}">
+                <a16:creationId xmlns:a16="http://schemas.microsoft.com/office/drawing/2014/main" id="{44845114-21E1-4D04-85D2-8DD5BA0C8762}"/>
+              </a:ext>
+            </a:extLst>
+          </p:cNvPr>
+          <p:cNvSpPr/>
+          <p:nvPr/>
+        </p:nvSpPr>
+        <p:spPr>
+          <a:xfrm>
+            <a:off x="803429" y="2251720"/>
+            <a:ext cx="1393792" cy="369333"/>
+          </a:xfrm>
+          <a:prstGeom prst="rect">
+            <a:avLst/>
+          </a:prstGeom>
+          <a:noFill/>
+          <a:ln w="28575"/>
+        </p:spPr>
+        <p:style>
+          <a:lnRef idx="2">
+            <a:schemeClr val="accent1">
+              <a:shade val="50000"/>
+            </a:schemeClr>
+          </a:lnRef>
+          <a:fillRef idx="1">
+            <a:schemeClr val="accent1"/>
+          </a:fillRef>
+          <a:effectRef idx="0">
+            <a:schemeClr val="accent1"/>
+          </a:effectRef>
+          <a:fontRef idx="minor">
+            <a:schemeClr val="lt1"/>
+          </a:fontRef>
+        </p:style>
+        <p:txBody>
+          <a:bodyPr rtlCol="0" anchor="ctr"/>
+          <a:lstStyle/>
+          <a:p>
+            <a:pPr algn="ctr"/>
+            <a:endParaRPr lang="ko-KR" altLang="en-US"/>
+          </a:p>
+        </p:txBody>
+      </p:sp>
+      <p:sp>
+        <p:nvSpPr>
+          <p:cNvPr id="12" name="TextBox 11">
+            <a:extLst>
+              <a:ext uri="{FF2B5EF4-FFF2-40B4-BE49-F238E27FC236}">
+                <a16:creationId xmlns:a16="http://schemas.microsoft.com/office/drawing/2014/main" id="{4A43D41F-F65D-42D4-B84D-DAB02FA9B730}"/>
+              </a:ext>
+            </a:extLst>
+          </p:cNvPr>
+          <p:cNvSpPr txBox="1"/>
+          <p:nvPr/>
+        </p:nvSpPr>
+        <p:spPr>
+          <a:xfrm>
+            <a:off x="527371" y="1982716"/>
+            <a:ext cx="1933543" cy="230832"/>
+          </a:xfrm>
+          <a:prstGeom prst="rect">
+            <a:avLst/>
+          </a:prstGeom>
+          <a:noFill/>
+        </p:spPr>
+        <p:txBody>
+          <a:bodyPr wrap="none" rtlCol="0">
+            <a:spAutoFit/>
+          </a:bodyPr>
+          <a:lstStyle/>
+          <a:p>
+            <a:r>
+              <a:rPr lang="ko-KR" altLang="en-US" sz="900" dirty="0"/>
+              <a:t>어떤 </a:t>
+            </a:r>
+            <a:r>
+              <a:rPr lang="ko-KR" altLang="en-US" sz="900" dirty="0" err="1"/>
+              <a:t>공공와아파이를</a:t>
+            </a:r>
+            <a:r>
+              <a:rPr lang="ko-KR" altLang="en-US" sz="900" dirty="0"/>
+              <a:t> 찾으시나요</a:t>
+            </a:r>
+            <a:r>
+              <a:rPr lang="en-US" altLang="ko-KR" sz="900" dirty="0"/>
+              <a:t>?</a:t>
+            </a:r>
+            <a:endParaRPr lang="ko-KR" altLang="en-US" sz="900" dirty="0"/>
+          </a:p>
+        </p:txBody>
+      </p:sp>
+      <p:sp>
+        <p:nvSpPr>
+          <p:cNvPr id="13" name="직사각형 12">
+            <a:extLst>
+              <a:ext uri="{FF2B5EF4-FFF2-40B4-BE49-F238E27FC236}">
+                <a16:creationId xmlns:a16="http://schemas.microsoft.com/office/drawing/2014/main" id="{5156F307-042A-4103-84C6-DB292943BFF0}"/>
+              </a:ext>
+            </a:extLst>
+          </p:cNvPr>
+          <p:cNvSpPr/>
+          <p:nvPr/>
+        </p:nvSpPr>
+        <p:spPr>
+          <a:xfrm>
+            <a:off x="803429" y="2852588"/>
+            <a:ext cx="545977" cy="259562"/>
+          </a:xfrm>
+          <a:prstGeom prst="rect">
+            <a:avLst/>
+          </a:prstGeom>
+          <a:noFill/>
+          <a:ln w="28575"/>
+        </p:spPr>
+        <p:style>
+          <a:lnRef idx="2">
+            <a:schemeClr val="accent1">
+              <a:shade val="50000"/>
+            </a:schemeClr>
+          </a:lnRef>
+          <a:fillRef idx="1">
+            <a:schemeClr val="accent1"/>
+          </a:fillRef>
+          <a:effectRef idx="0">
+            <a:schemeClr val="accent1"/>
+          </a:effectRef>
+          <a:fontRef idx="minor">
+            <a:schemeClr val="lt1"/>
+          </a:fontRef>
+        </p:style>
+        <p:txBody>
+          <a:bodyPr rtlCol="0" anchor="ctr"/>
+          <a:lstStyle/>
+          <a:p>
+            <a:pPr algn="ctr"/>
+            <a:endParaRPr lang="ko-KR" altLang="en-US"/>
+          </a:p>
+        </p:txBody>
+      </p:sp>
+      <p:sp>
+        <p:nvSpPr>
+          <p:cNvPr id="14" name="TextBox 13">
+            <a:extLst>
+              <a:ext uri="{FF2B5EF4-FFF2-40B4-BE49-F238E27FC236}">
+                <a16:creationId xmlns:a16="http://schemas.microsoft.com/office/drawing/2014/main" id="{7DE405A3-E00D-4137-8EA6-1529C5264D2B}"/>
+              </a:ext>
+            </a:extLst>
+          </p:cNvPr>
+          <p:cNvSpPr txBox="1"/>
+          <p:nvPr/>
+        </p:nvSpPr>
+        <p:spPr>
+          <a:xfrm>
+            <a:off x="776639" y="2352750"/>
+            <a:ext cx="904415" cy="184666"/>
+          </a:xfrm>
+          <a:prstGeom prst="rect">
+            <a:avLst/>
+          </a:prstGeom>
+          <a:noFill/>
+        </p:spPr>
+        <p:txBody>
+          <a:bodyPr wrap="none" rtlCol="0">
+            <a:spAutoFit/>
+          </a:bodyPr>
+          <a:lstStyle/>
+          <a:p>
+            <a:r>
+              <a:rPr lang="ko-KR" altLang="en-US" sz="600" dirty="0"/>
+              <a:t>동네명을 입력하세요</a:t>
+            </a:r>
+          </a:p>
+        </p:txBody>
+      </p:sp>
+      <p:sp>
+        <p:nvSpPr>
+          <p:cNvPr id="15" name="TextBox 14">
+            <a:extLst>
+              <a:ext uri="{FF2B5EF4-FFF2-40B4-BE49-F238E27FC236}">
+                <a16:creationId xmlns:a16="http://schemas.microsoft.com/office/drawing/2014/main" id="{FA4C395F-B7B8-4419-B284-DBA781712D7E}"/>
+              </a:ext>
+            </a:extLst>
+          </p:cNvPr>
+          <p:cNvSpPr txBox="1"/>
+          <p:nvPr/>
+        </p:nvSpPr>
+        <p:spPr>
+          <a:xfrm>
+            <a:off x="907140" y="2922211"/>
+            <a:ext cx="338554" cy="184666"/>
+          </a:xfrm>
+          <a:prstGeom prst="rect">
+            <a:avLst/>
+          </a:prstGeom>
+          <a:noFill/>
+        </p:spPr>
+        <p:txBody>
+          <a:bodyPr wrap="none" rtlCol="0">
+            <a:spAutoFit/>
+          </a:bodyPr>
+          <a:lstStyle/>
+          <a:p>
+            <a:r>
+              <a:rPr lang="ko-KR" altLang="en-US" sz="600"/>
+              <a:t>제출</a:t>
+            </a:r>
+            <a:endParaRPr lang="ko-KR" altLang="en-US" sz="600" dirty="0"/>
+          </a:p>
+        </p:txBody>
+      </p:sp>
+      <p:cxnSp>
+        <p:nvCxnSpPr>
+          <p:cNvPr id="16" name="직선 화살표 연결선 15">
+            <a:extLst>
+              <a:ext uri="{FF2B5EF4-FFF2-40B4-BE49-F238E27FC236}">
+                <a16:creationId xmlns:a16="http://schemas.microsoft.com/office/drawing/2014/main" id="{9F43F040-10AF-47C7-8022-988BDAB89E09}"/>
+              </a:ext>
+            </a:extLst>
+          </p:cNvPr>
+          <p:cNvCxnSpPr>
+            <a:cxnSpLocks/>
+          </p:cNvCxnSpPr>
+          <p:nvPr/>
+        </p:nvCxnSpPr>
+        <p:spPr>
+          <a:xfrm>
+            <a:off x="2512381" y="1312112"/>
+            <a:ext cx="1149214" cy="0"/>
+          </a:xfrm>
+          <a:prstGeom prst="straightConnector1">
+            <a:avLst/>
+          </a:prstGeom>
+          <a:ln w="12700">
+            <a:tailEnd type="triangle"/>
+          </a:ln>
+        </p:spPr>
+        <p:style>
+          <a:lnRef idx="1">
+            <a:schemeClr val="accent1"/>
+          </a:lnRef>
+          <a:fillRef idx="0">
+            <a:schemeClr val="accent1"/>
+          </a:fillRef>
+          <a:effectRef idx="0">
+            <a:schemeClr val="accent1"/>
+          </a:effectRef>
+          <a:fontRef idx="minor">
+            <a:schemeClr val="tx1"/>
+          </a:fontRef>
+        </p:style>
+      </p:cxnSp>
+      <p:sp>
+        <p:nvSpPr>
+          <p:cNvPr id="17" name="직사각형 16">
+            <a:extLst>
+              <a:ext uri="{FF2B5EF4-FFF2-40B4-BE49-F238E27FC236}">
+                <a16:creationId xmlns:a16="http://schemas.microsoft.com/office/drawing/2014/main" id="{E386E2BD-D4E2-4DAF-B1C5-2D0D971E44DD}"/>
+              </a:ext>
+            </a:extLst>
+          </p:cNvPr>
+          <p:cNvSpPr/>
+          <p:nvPr/>
+        </p:nvSpPr>
+        <p:spPr>
+          <a:xfrm>
+            <a:off x="3650202" y="2088026"/>
+            <a:ext cx="4891596" cy="504656"/>
+          </a:xfrm>
+          <a:prstGeom prst="rect">
+            <a:avLst/>
+          </a:prstGeom>
+          <a:noFill/>
+          <a:ln w="28575"/>
+        </p:spPr>
+        <p:style>
+          <a:lnRef idx="2">
+            <a:schemeClr val="accent1">
+              <a:shade val="50000"/>
+            </a:schemeClr>
+          </a:lnRef>
+          <a:fillRef idx="1">
+            <a:schemeClr val="accent1"/>
+          </a:fillRef>
+          <a:effectRef idx="0">
+            <a:schemeClr val="accent1"/>
+          </a:effectRef>
+          <a:fontRef idx="minor">
+            <a:schemeClr val="lt1"/>
+          </a:fontRef>
+        </p:style>
+        <p:txBody>
+          <a:bodyPr rtlCol="0" anchor="ctr"/>
+          <a:lstStyle/>
+          <a:p>
+            <a:pPr algn="ctr"/>
+            <a:endParaRPr lang="ko-KR" altLang="en-US"/>
+          </a:p>
+        </p:txBody>
+      </p:sp>
+      <p:sp>
+        <p:nvSpPr>
+          <p:cNvPr id="18" name="TextBox 17">
+            <a:extLst>
+              <a:ext uri="{FF2B5EF4-FFF2-40B4-BE49-F238E27FC236}">
+                <a16:creationId xmlns:a16="http://schemas.microsoft.com/office/drawing/2014/main" id="{3FDCA464-658A-42F3-9357-F18DD8B66FA3}"/>
+              </a:ext>
+            </a:extLst>
+          </p:cNvPr>
+          <p:cNvSpPr txBox="1"/>
+          <p:nvPr/>
+        </p:nvSpPr>
+        <p:spPr>
+          <a:xfrm>
+            <a:off x="2615552" y="1027834"/>
+            <a:ext cx="712054" cy="230832"/>
+          </a:xfrm>
+          <a:prstGeom prst="rect">
+            <a:avLst/>
+          </a:prstGeom>
+          <a:noFill/>
+        </p:spPr>
+        <p:txBody>
+          <a:bodyPr wrap="none" rtlCol="0">
+            <a:spAutoFit/>
+          </a:bodyPr>
+          <a:lstStyle/>
+          <a:p>
+            <a:r>
+              <a:rPr lang="ko-KR" altLang="en-US" sz="900" dirty="0"/>
+              <a:t>접속</a:t>
+            </a:r>
+            <a:r>
+              <a:rPr lang="en-US" altLang="ko-KR" sz="900" dirty="0"/>
+              <a:t>, </a:t>
+            </a:r>
+            <a:r>
+              <a:rPr lang="ko-KR" altLang="en-US" sz="900" dirty="0"/>
+              <a:t>요청</a:t>
+            </a:r>
+          </a:p>
+        </p:txBody>
+      </p:sp>
+      <p:cxnSp>
+        <p:nvCxnSpPr>
+          <p:cNvPr id="19" name="직선 화살표 연결선 18">
+            <a:extLst>
+              <a:ext uri="{FF2B5EF4-FFF2-40B4-BE49-F238E27FC236}">
+                <a16:creationId xmlns:a16="http://schemas.microsoft.com/office/drawing/2014/main" id="{08AA9708-4B46-4B34-8618-55A7B3D17F97}"/>
+              </a:ext>
+            </a:extLst>
+          </p:cNvPr>
+          <p:cNvCxnSpPr>
+            <a:cxnSpLocks/>
+            <a:stCxn id="7" idx="2"/>
+            <a:endCxn id="17" idx="0"/>
+          </p:cNvCxnSpPr>
+          <p:nvPr/>
+        </p:nvCxnSpPr>
+        <p:spPr>
+          <a:xfrm>
+            <a:off x="6096000" y="1697951"/>
+            <a:ext cx="0" cy="390075"/>
+          </a:xfrm>
+          <a:prstGeom prst="straightConnector1">
+            <a:avLst/>
+          </a:prstGeom>
+          <a:ln w="12700">
+            <a:tailEnd type="triangle"/>
+          </a:ln>
+        </p:spPr>
+        <p:style>
+          <a:lnRef idx="1">
+            <a:schemeClr val="accent1"/>
+          </a:lnRef>
+          <a:fillRef idx="0">
+            <a:schemeClr val="accent1"/>
+          </a:fillRef>
+          <a:effectRef idx="0">
+            <a:schemeClr val="accent1"/>
+          </a:effectRef>
+          <a:fontRef idx="minor">
+            <a:schemeClr val="tx1"/>
+          </a:fontRef>
+        </p:style>
+      </p:cxnSp>
+      <p:sp>
+        <p:nvSpPr>
+          <p:cNvPr id="20" name="TextBox 19">
+            <a:extLst>
+              <a:ext uri="{FF2B5EF4-FFF2-40B4-BE49-F238E27FC236}">
+                <a16:creationId xmlns:a16="http://schemas.microsoft.com/office/drawing/2014/main" id="{43902EAE-C8ED-4F30-92E1-EB677E7212DE}"/>
+              </a:ext>
+            </a:extLst>
+          </p:cNvPr>
+          <p:cNvSpPr txBox="1"/>
+          <p:nvPr/>
+        </p:nvSpPr>
+        <p:spPr>
+          <a:xfrm>
+            <a:off x="6226479" y="1775596"/>
+            <a:ext cx="415498" cy="230832"/>
+          </a:xfrm>
+          <a:prstGeom prst="rect">
+            <a:avLst/>
+          </a:prstGeom>
+          <a:noFill/>
+        </p:spPr>
+        <p:txBody>
+          <a:bodyPr wrap="none" rtlCol="0">
+            <a:spAutoFit/>
+          </a:bodyPr>
+          <a:lstStyle/>
+          <a:p>
+            <a:r>
+              <a:rPr lang="ko-KR" altLang="en-US" sz="900" dirty="0"/>
+              <a:t>요청</a:t>
+            </a:r>
+          </a:p>
+        </p:txBody>
+      </p:sp>
+      <p:sp>
+        <p:nvSpPr>
+          <p:cNvPr id="21" name="TextBox 20">
+            <a:extLst>
+              <a:ext uri="{FF2B5EF4-FFF2-40B4-BE49-F238E27FC236}">
+                <a16:creationId xmlns:a16="http://schemas.microsoft.com/office/drawing/2014/main" id="{C1D4F9D9-3A54-4B55-A91C-128E8E78EF46}"/>
+              </a:ext>
+            </a:extLst>
+          </p:cNvPr>
+          <p:cNvSpPr txBox="1"/>
+          <p:nvPr/>
+        </p:nvSpPr>
+        <p:spPr>
+          <a:xfrm>
+            <a:off x="4332927" y="2175078"/>
+            <a:ext cx="1274708" cy="369332"/>
+          </a:xfrm>
+          <a:prstGeom prst="rect">
+            <a:avLst/>
+          </a:prstGeom>
+          <a:noFill/>
+        </p:spPr>
+        <p:txBody>
+          <a:bodyPr wrap="none" rtlCol="0">
+            <a:spAutoFit/>
+          </a:bodyPr>
+          <a:lstStyle/>
+          <a:p>
+            <a:r>
+              <a:rPr lang="en-US" altLang="ko-KR" dirty="0"/>
+              <a:t>Index.html</a:t>
+            </a:r>
+            <a:endParaRPr lang="ko-KR" altLang="en-US" dirty="0"/>
+          </a:p>
+        </p:txBody>
+      </p:sp>
+      <p:cxnSp>
+        <p:nvCxnSpPr>
+          <p:cNvPr id="22" name="직선 화살표 연결선 21">
+            <a:extLst>
+              <a:ext uri="{FF2B5EF4-FFF2-40B4-BE49-F238E27FC236}">
+                <a16:creationId xmlns:a16="http://schemas.microsoft.com/office/drawing/2014/main" id="{B222EB95-EBC4-4914-A3A2-7404A82A63D2}"/>
+              </a:ext>
+            </a:extLst>
+          </p:cNvPr>
+          <p:cNvCxnSpPr>
+            <a:cxnSpLocks/>
+            <a:stCxn id="17" idx="1"/>
+          </p:cNvCxnSpPr>
+          <p:nvPr/>
+        </p:nvCxnSpPr>
+        <p:spPr>
+          <a:xfrm flipH="1">
+            <a:off x="2512381" y="2340354"/>
+            <a:ext cx="1137821" cy="0"/>
+          </a:xfrm>
+          <a:prstGeom prst="straightConnector1">
+            <a:avLst/>
+          </a:prstGeom>
+          <a:ln w="12700">
+            <a:tailEnd type="triangle"/>
+          </a:ln>
+        </p:spPr>
+        <p:style>
+          <a:lnRef idx="1">
+            <a:schemeClr val="accent1"/>
+          </a:lnRef>
+          <a:fillRef idx="0">
+            <a:schemeClr val="accent1"/>
+          </a:fillRef>
+          <a:effectRef idx="0">
+            <a:schemeClr val="accent1"/>
+          </a:effectRef>
+          <a:fontRef idx="minor">
+            <a:schemeClr val="tx1"/>
+          </a:fontRef>
+        </p:style>
+      </p:cxnSp>
+      <p:sp>
+        <p:nvSpPr>
+          <p:cNvPr id="23" name="TextBox 22">
+            <a:extLst>
+              <a:ext uri="{FF2B5EF4-FFF2-40B4-BE49-F238E27FC236}">
+                <a16:creationId xmlns:a16="http://schemas.microsoft.com/office/drawing/2014/main" id="{82DD0E99-7D82-46E4-8C99-FFB588ED34AB}"/>
+              </a:ext>
+            </a:extLst>
+          </p:cNvPr>
+          <p:cNvSpPr txBox="1"/>
+          <p:nvPr/>
+        </p:nvSpPr>
+        <p:spPr>
+          <a:xfrm>
+            <a:off x="2615552" y="2075432"/>
+            <a:ext cx="686406" cy="230832"/>
+          </a:xfrm>
+          <a:prstGeom prst="rect">
+            <a:avLst/>
+          </a:prstGeom>
+          <a:noFill/>
+        </p:spPr>
+        <p:txBody>
+          <a:bodyPr wrap="none" rtlCol="0">
+            <a:spAutoFit/>
+          </a:bodyPr>
+          <a:lstStyle/>
+          <a:p>
+            <a:r>
+              <a:rPr lang="ko-KR" altLang="en-US" sz="900" dirty="0"/>
+              <a:t>화면 전달</a:t>
+            </a:r>
+          </a:p>
+        </p:txBody>
+      </p:sp>
+      <p:sp>
+        <p:nvSpPr>
+          <p:cNvPr id="24" name="직사각형 23">
+            <a:extLst>
+              <a:ext uri="{FF2B5EF4-FFF2-40B4-BE49-F238E27FC236}">
+                <a16:creationId xmlns:a16="http://schemas.microsoft.com/office/drawing/2014/main" id="{91D34336-7954-4230-AD5E-360B390C0154}"/>
+              </a:ext>
+            </a:extLst>
+          </p:cNvPr>
+          <p:cNvSpPr/>
+          <p:nvPr/>
+        </p:nvSpPr>
+        <p:spPr>
+          <a:xfrm>
+            <a:off x="3650202" y="2866285"/>
+            <a:ext cx="4891596" cy="1790991"/>
+          </a:xfrm>
+          <a:prstGeom prst="rect">
+            <a:avLst/>
+          </a:prstGeom>
+          <a:noFill/>
+          <a:ln w="28575"/>
+        </p:spPr>
+        <p:style>
+          <a:lnRef idx="2">
+            <a:schemeClr val="accent1">
+              <a:shade val="50000"/>
+            </a:schemeClr>
+          </a:lnRef>
+          <a:fillRef idx="1">
+            <a:schemeClr val="accent1"/>
+          </a:fillRef>
+          <a:effectRef idx="0">
+            <a:schemeClr val="accent1"/>
+          </a:effectRef>
+          <a:fontRef idx="minor">
+            <a:schemeClr val="lt1"/>
+          </a:fontRef>
+        </p:style>
+        <p:txBody>
+          <a:bodyPr rtlCol="0" anchor="ctr"/>
+          <a:lstStyle/>
+          <a:p>
+            <a:pPr algn="ctr"/>
+            <a:endParaRPr lang="ko-KR" altLang="en-US"/>
+          </a:p>
+        </p:txBody>
+      </p:sp>
+      <p:sp>
+        <p:nvSpPr>
+          <p:cNvPr id="25" name="TextBox 24">
+            <a:extLst>
+              <a:ext uri="{FF2B5EF4-FFF2-40B4-BE49-F238E27FC236}">
+                <a16:creationId xmlns:a16="http://schemas.microsoft.com/office/drawing/2014/main" id="{FC97916D-E5FF-4042-B256-656A335CEA6B}"/>
+              </a:ext>
+            </a:extLst>
+          </p:cNvPr>
+          <p:cNvSpPr txBox="1"/>
+          <p:nvPr/>
+        </p:nvSpPr>
+        <p:spPr>
+          <a:xfrm>
+            <a:off x="4332927" y="3059667"/>
+            <a:ext cx="1391728" cy="369332"/>
+          </a:xfrm>
+          <a:prstGeom prst="rect">
+            <a:avLst/>
+          </a:prstGeom>
+          <a:noFill/>
+        </p:spPr>
+        <p:txBody>
+          <a:bodyPr wrap="none" rtlCol="0">
+            <a:spAutoFit/>
+          </a:bodyPr>
+          <a:lstStyle/>
+          <a:p>
+            <a:r>
+              <a:rPr lang="en-US" altLang="ko-KR" dirty="0" err="1"/>
+              <a:t>Views.maps</a:t>
+            </a:r>
+            <a:endParaRPr lang="ko-KR" altLang="en-US" dirty="0"/>
+          </a:p>
+        </p:txBody>
+      </p:sp>
+      <p:cxnSp>
+        <p:nvCxnSpPr>
+          <p:cNvPr id="26" name="직선 화살표 연결선 25">
+            <a:extLst>
+              <a:ext uri="{FF2B5EF4-FFF2-40B4-BE49-F238E27FC236}">
+                <a16:creationId xmlns:a16="http://schemas.microsoft.com/office/drawing/2014/main" id="{D914D506-7134-4313-8B14-D15568817A46}"/>
+              </a:ext>
+            </a:extLst>
+          </p:cNvPr>
+          <p:cNvCxnSpPr>
+            <a:cxnSpLocks/>
+          </p:cNvCxnSpPr>
+          <p:nvPr/>
+        </p:nvCxnSpPr>
+        <p:spPr>
+          <a:xfrm>
+            <a:off x="2512381" y="3140912"/>
+            <a:ext cx="1149214" cy="0"/>
+          </a:xfrm>
+          <a:prstGeom prst="straightConnector1">
+            <a:avLst/>
+          </a:prstGeom>
+          <a:ln w="12700">
+            <a:tailEnd type="triangle"/>
+          </a:ln>
+        </p:spPr>
+        <p:style>
+          <a:lnRef idx="1">
+            <a:schemeClr val="accent1"/>
+          </a:lnRef>
+          <a:fillRef idx="0">
+            <a:schemeClr val="accent1"/>
+          </a:fillRef>
+          <a:effectRef idx="0">
+            <a:schemeClr val="accent1"/>
+          </a:effectRef>
+          <a:fontRef idx="minor">
+            <a:schemeClr val="tx1"/>
+          </a:fontRef>
+        </p:style>
+      </p:cxnSp>
+      <p:sp>
+        <p:nvSpPr>
+          <p:cNvPr id="27" name="TextBox 26">
+            <a:extLst>
+              <a:ext uri="{FF2B5EF4-FFF2-40B4-BE49-F238E27FC236}">
+                <a16:creationId xmlns:a16="http://schemas.microsoft.com/office/drawing/2014/main" id="{2EA315DC-5DE1-4CB3-8044-C54E6B2B41B9}"/>
+              </a:ext>
+            </a:extLst>
+          </p:cNvPr>
+          <p:cNvSpPr txBox="1"/>
+          <p:nvPr/>
+        </p:nvSpPr>
+        <p:spPr>
+          <a:xfrm>
+            <a:off x="2615552" y="2838751"/>
+            <a:ext cx="570990" cy="230832"/>
+          </a:xfrm>
+          <a:prstGeom prst="rect">
+            <a:avLst/>
+          </a:prstGeom>
+          <a:noFill/>
+        </p:spPr>
+        <p:txBody>
+          <a:bodyPr wrap="none" rtlCol="0">
+            <a:spAutoFit/>
+          </a:bodyPr>
+          <a:lstStyle/>
+          <a:p>
+            <a:r>
+              <a:rPr lang="ko-KR" altLang="en-US" sz="900" dirty="0"/>
+              <a:t>값</a:t>
+            </a:r>
+            <a:r>
+              <a:rPr lang="en-US" altLang="ko-KR" sz="900" dirty="0"/>
+              <a:t> </a:t>
+            </a:r>
+            <a:r>
+              <a:rPr lang="ko-KR" altLang="en-US" sz="900" dirty="0"/>
+              <a:t>전달</a:t>
+            </a:r>
+          </a:p>
+        </p:txBody>
+      </p:sp>
+      <p:cxnSp>
+        <p:nvCxnSpPr>
+          <p:cNvPr id="28" name="직선 화살표 연결선 27">
+            <a:extLst>
+              <a:ext uri="{FF2B5EF4-FFF2-40B4-BE49-F238E27FC236}">
+                <a16:creationId xmlns:a16="http://schemas.microsoft.com/office/drawing/2014/main" id="{69BCF61A-024C-4898-9040-922222522B38}"/>
+              </a:ext>
+            </a:extLst>
+          </p:cNvPr>
+          <p:cNvCxnSpPr>
+            <a:cxnSpLocks/>
+          </p:cNvCxnSpPr>
+          <p:nvPr/>
+        </p:nvCxnSpPr>
+        <p:spPr>
+          <a:xfrm>
+            <a:off x="8541798" y="3140912"/>
+            <a:ext cx="1317477" cy="0"/>
+          </a:xfrm>
+          <a:prstGeom prst="straightConnector1">
+            <a:avLst/>
+          </a:prstGeom>
+          <a:ln w="12700">
+            <a:solidFill>
+              <a:srgbClr val="C00000"/>
+            </a:solidFill>
+            <a:tailEnd type="triangle"/>
+          </a:ln>
+        </p:spPr>
+        <p:style>
+          <a:lnRef idx="1">
+            <a:schemeClr val="accent1"/>
+          </a:lnRef>
+          <a:fillRef idx="0">
+            <a:schemeClr val="accent1"/>
+          </a:fillRef>
+          <a:effectRef idx="0">
+            <a:schemeClr val="accent1"/>
+          </a:effectRef>
+          <a:fontRef idx="minor">
+            <a:schemeClr val="tx1"/>
+          </a:fontRef>
+        </p:style>
+      </p:cxnSp>
+      <p:sp>
+        <p:nvSpPr>
+          <p:cNvPr id="29" name="TextBox 28">
+            <a:extLst>
+              <a:ext uri="{FF2B5EF4-FFF2-40B4-BE49-F238E27FC236}">
+                <a16:creationId xmlns:a16="http://schemas.microsoft.com/office/drawing/2014/main" id="{E7807058-139B-49B7-B350-54B6475CD254}"/>
+              </a:ext>
+            </a:extLst>
+          </p:cNvPr>
+          <p:cNvSpPr txBox="1"/>
+          <p:nvPr/>
+        </p:nvSpPr>
+        <p:spPr>
+          <a:xfrm>
+            <a:off x="8915041" y="2838751"/>
+            <a:ext cx="530915" cy="230832"/>
+          </a:xfrm>
+          <a:prstGeom prst="rect">
+            <a:avLst/>
+          </a:prstGeom>
+          <a:noFill/>
+        </p:spPr>
+        <p:txBody>
+          <a:bodyPr wrap="none" rtlCol="0">
+            <a:spAutoFit/>
+          </a:bodyPr>
+          <a:lstStyle/>
+          <a:p>
+            <a:r>
+              <a:rPr lang="ko-KR" altLang="en-US" sz="900" dirty="0"/>
+              <a:t>조건문</a:t>
+            </a:r>
+          </a:p>
+        </p:txBody>
+      </p:sp>
+      <p:cxnSp>
+        <p:nvCxnSpPr>
+          <p:cNvPr id="30" name="직선 화살표 연결선 29">
+            <a:extLst>
+              <a:ext uri="{FF2B5EF4-FFF2-40B4-BE49-F238E27FC236}">
+                <a16:creationId xmlns:a16="http://schemas.microsoft.com/office/drawing/2014/main" id="{74A03DEF-DEE6-4634-8932-6B7EEA51327F}"/>
+              </a:ext>
+            </a:extLst>
+          </p:cNvPr>
+          <p:cNvCxnSpPr>
+            <a:cxnSpLocks/>
+          </p:cNvCxnSpPr>
+          <p:nvPr/>
+        </p:nvCxnSpPr>
+        <p:spPr>
+          <a:xfrm flipH="1">
+            <a:off x="8541798" y="3882735"/>
+            <a:ext cx="1311200" cy="7929"/>
+          </a:xfrm>
+          <a:prstGeom prst="straightConnector1">
+            <a:avLst/>
+          </a:prstGeom>
+          <a:ln w="12700">
+            <a:tailEnd type="triangle"/>
+          </a:ln>
+        </p:spPr>
+        <p:style>
+          <a:lnRef idx="1">
+            <a:schemeClr val="accent1"/>
+          </a:lnRef>
+          <a:fillRef idx="0">
+            <a:schemeClr val="accent1"/>
+          </a:fillRef>
+          <a:effectRef idx="0">
+            <a:schemeClr val="accent1"/>
+          </a:effectRef>
+          <a:fontRef idx="minor">
+            <a:schemeClr val="tx1"/>
+          </a:fontRef>
+        </p:style>
+      </p:cxnSp>
+      <p:sp>
+        <p:nvSpPr>
+          <p:cNvPr id="31" name="TextBox 30">
+            <a:extLst>
+              <a:ext uri="{FF2B5EF4-FFF2-40B4-BE49-F238E27FC236}">
+                <a16:creationId xmlns:a16="http://schemas.microsoft.com/office/drawing/2014/main" id="{043604E4-5B78-48E9-B06B-7BE6F09C2989}"/>
+              </a:ext>
+            </a:extLst>
+          </p:cNvPr>
+          <p:cNvSpPr txBox="1"/>
+          <p:nvPr/>
+        </p:nvSpPr>
+        <p:spPr>
+          <a:xfrm>
+            <a:off x="8795430" y="3970536"/>
+            <a:ext cx="957313" cy="230832"/>
+          </a:xfrm>
+          <a:prstGeom prst="rect">
+            <a:avLst/>
+          </a:prstGeom>
+          <a:noFill/>
+        </p:spPr>
+        <p:txBody>
+          <a:bodyPr wrap="none" rtlCol="0">
+            <a:spAutoFit/>
+          </a:bodyPr>
+          <a:lstStyle/>
+          <a:p>
+            <a:r>
+              <a:rPr lang="ko-KR" altLang="en-US" sz="900" dirty="0"/>
+              <a:t>조건에 맞는 값</a:t>
+            </a:r>
+          </a:p>
+        </p:txBody>
+      </p:sp>
+      <p:sp>
+        <p:nvSpPr>
+          <p:cNvPr id="32" name="직사각형 31">
+            <a:extLst>
+              <a:ext uri="{FF2B5EF4-FFF2-40B4-BE49-F238E27FC236}">
+                <a16:creationId xmlns:a16="http://schemas.microsoft.com/office/drawing/2014/main" id="{08930D68-851F-473F-8733-E9A27D8BEC5B}"/>
+              </a:ext>
+            </a:extLst>
+          </p:cNvPr>
+          <p:cNvSpPr/>
+          <p:nvPr/>
+        </p:nvSpPr>
+        <p:spPr>
+          <a:xfrm>
+            <a:off x="3650202" y="5023156"/>
+            <a:ext cx="4891596" cy="1169358"/>
+          </a:xfrm>
+          <a:prstGeom prst="rect">
+            <a:avLst/>
+          </a:prstGeom>
+          <a:noFill/>
+          <a:ln w="28575"/>
+        </p:spPr>
+        <p:style>
+          <a:lnRef idx="2">
+            <a:schemeClr val="accent1">
+              <a:shade val="50000"/>
+            </a:schemeClr>
+          </a:lnRef>
+          <a:fillRef idx="1">
+            <a:schemeClr val="accent1"/>
+          </a:fillRef>
+          <a:effectRef idx="0">
+            <a:schemeClr val="accent1"/>
+          </a:effectRef>
+          <a:fontRef idx="minor">
+            <a:schemeClr val="lt1"/>
+          </a:fontRef>
+        </p:style>
+        <p:txBody>
+          <a:bodyPr rtlCol="0" anchor="ctr"/>
+          <a:lstStyle/>
+          <a:p>
+            <a:pPr algn="ctr"/>
+            <a:endParaRPr lang="ko-KR" altLang="en-US"/>
+          </a:p>
+        </p:txBody>
+      </p:sp>
+      <p:cxnSp>
+        <p:nvCxnSpPr>
+          <p:cNvPr id="33" name="직선 화살표 연결선 32">
+            <a:extLst>
+              <a:ext uri="{FF2B5EF4-FFF2-40B4-BE49-F238E27FC236}">
+                <a16:creationId xmlns:a16="http://schemas.microsoft.com/office/drawing/2014/main" id="{58C59824-40A2-4667-AF26-016FBCBA0838}"/>
+              </a:ext>
+            </a:extLst>
+          </p:cNvPr>
+          <p:cNvCxnSpPr>
+            <a:cxnSpLocks/>
+            <a:stCxn id="24" idx="2"/>
+            <a:endCxn id="32" idx="0"/>
+          </p:cNvCxnSpPr>
+          <p:nvPr/>
+        </p:nvCxnSpPr>
+        <p:spPr>
+          <a:xfrm>
+            <a:off x="6096000" y="4657276"/>
+            <a:ext cx="0" cy="365880"/>
+          </a:xfrm>
+          <a:prstGeom prst="straightConnector1">
+            <a:avLst/>
+          </a:prstGeom>
+          <a:ln w="12700">
+            <a:tailEnd type="triangle"/>
+          </a:ln>
+        </p:spPr>
+        <p:style>
+          <a:lnRef idx="1">
+            <a:schemeClr val="accent1"/>
+          </a:lnRef>
+          <a:fillRef idx="0">
+            <a:schemeClr val="accent1"/>
+          </a:fillRef>
+          <a:effectRef idx="0">
+            <a:schemeClr val="accent1"/>
+          </a:effectRef>
+          <a:fontRef idx="minor">
+            <a:schemeClr val="tx1"/>
+          </a:fontRef>
+        </p:style>
+      </p:cxnSp>
+      <p:sp>
+        <p:nvSpPr>
+          <p:cNvPr id="34" name="TextBox 33">
+            <a:extLst>
+              <a:ext uri="{FF2B5EF4-FFF2-40B4-BE49-F238E27FC236}">
+                <a16:creationId xmlns:a16="http://schemas.microsoft.com/office/drawing/2014/main" id="{3B8C1B4C-E2F5-4717-854A-6E0943412037}"/>
+              </a:ext>
+            </a:extLst>
+          </p:cNvPr>
+          <p:cNvSpPr txBox="1"/>
+          <p:nvPr/>
+        </p:nvSpPr>
+        <p:spPr>
+          <a:xfrm>
+            <a:off x="6136568" y="4724800"/>
+            <a:ext cx="415498" cy="230832"/>
+          </a:xfrm>
+          <a:prstGeom prst="rect">
+            <a:avLst/>
+          </a:prstGeom>
+          <a:noFill/>
+        </p:spPr>
+        <p:txBody>
+          <a:bodyPr wrap="none" rtlCol="0">
+            <a:spAutoFit/>
+          </a:bodyPr>
+          <a:lstStyle/>
+          <a:p>
+            <a:r>
+              <a:rPr lang="ko-KR" altLang="en-US" sz="900" dirty="0"/>
+              <a:t>요청</a:t>
+            </a:r>
+          </a:p>
+        </p:txBody>
+      </p:sp>
+      <p:sp>
+        <p:nvSpPr>
+          <p:cNvPr id="35" name="TextBox 34">
+            <a:extLst>
+              <a:ext uri="{FF2B5EF4-FFF2-40B4-BE49-F238E27FC236}">
+                <a16:creationId xmlns:a16="http://schemas.microsoft.com/office/drawing/2014/main" id="{2C81A9C6-4637-43D2-B891-C6FB39FE3A27}"/>
+              </a:ext>
+            </a:extLst>
+          </p:cNvPr>
+          <p:cNvSpPr txBox="1"/>
+          <p:nvPr/>
+        </p:nvSpPr>
+        <p:spPr>
+          <a:xfrm>
+            <a:off x="4332927" y="5423169"/>
+            <a:ext cx="1269899" cy="369332"/>
+          </a:xfrm>
+          <a:prstGeom prst="rect">
+            <a:avLst/>
+          </a:prstGeom>
+          <a:noFill/>
+        </p:spPr>
+        <p:txBody>
+          <a:bodyPr wrap="none" rtlCol="0">
+            <a:spAutoFit/>
+          </a:bodyPr>
+          <a:lstStyle/>
+          <a:p>
+            <a:r>
+              <a:rPr lang="en-US" altLang="ko-KR" dirty="0"/>
+              <a:t>maps.html</a:t>
+            </a:r>
+            <a:endParaRPr lang="ko-KR" altLang="en-US" dirty="0"/>
+          </a:p>
+        </p:txBody>
+      </p:sp>
+      <p:cxnSp>
+        <p:nvCxnSpPr>
+          <p:cNvPr id="36" name="직선 화살표 연결선 35">
+            <a:extLst>
+              <a:ext uri="{FF2B5EF4-FFF2-40B4-BE49-F238E27FC236}">
+                <a16:creationId xmlns:a16="http://schemas.microsoft.com/office/drawing/2014/main" id="{6B5D4C04-A95E-46CB-9623-77677EB2F831}"/>
+              </a:ext>
+            </a:extLst>
+          </p:cNvPr>
+          <p:cNvCxnSpPr>
+            <a:cxnSpLocks/>
+          </p:cNvCxnSpPr>
+          <p:nvPr/>
+        </p:nvCxnSpPr>
+        <p:spPr>
+          <a:xfrm flipH="1">
+            <a:off x="2512381" y="5287682"/>
+            <a:ext cx="1137821" cy="0"/>
+          </a:xfrm>
+          <a:prstGeom prst="straightConnector1">
+            <a:avLst/>
+          </a:prstGeom>
+          <a:ln w="12700">
+            <a:tailEnd type="triangle"/>
+          </a:ln>
+        </p:spPr>
+        <p:style>
+          <a:lnRef idx="1">
+            <a:schemeClr val="accent1"/>
+          </a:lnRef>
+          <a:fillRef idx="0">
+            <a:schemeClr val="accent1"/>
+          </a:fillRef>
+          <a:effectRef idx="0">
+            <a:schemeClr val="accent1"/>
+          </a:effectRef>
+          <a:fontRef idx="minor">
+            <a:schemeClr val="tx1"/>
+          </a:fontRef>
+        </p:style>
+      </p:cxnSp>
+      <p:sp>
+        <p:nvSpPr>
+          <p:cNvPr id="37" name="TextBox 36">
+            <a:extLst>
+              <a:ext uri="{FF2B5EF4-FFF2-40B4-BE49-F238E27FC236}">
+                <a16:creationId xmlns:a16="http://schemas.microsoft.com/office/drawing/2014/main" id="{B8493F36-5F93-4D19-B7A7-273055FBAB0E}"/>
+              </a:ext>
+            </a:extLst>
+          </p:cNvPr>
+          <p:cNvSpPr txBox="1"/>
+          <p:nvPr/>
+        </p:nvSpPr>
+        <p:spPr>
+          <a:xfrm>
+            <a:off x="2615552" y="5022760"/>
+            <a:ext cx="686406" cy="230832"/>
+          </a:xfrm>
+          <a:prstGeom prst="rect">
+            <a:avLst/>
+          </a:prstGeom>
+          <a:noFill/>
+        </p:spPr>
+        <p:txBody>
+          <a:bodyPr wrap="none" rtlCol="0">
+            <a:spAutoFit/>
+          </a:bodyPr>
+          <a:lstStyle/>
+          <a:p>
+            <a:r>
+              <a:rPr lang="ko-KR" altLang="en-US" sz="900" dirty="0"/>
+              <a:t>화면 전달</a:t>
+            </a:r>
+          </a:p>
+        </p:txBody>
+      </p:sp>
+      <p:sp>
+        <p:nvSpPr>
+          <p:cNvPr id="38" name="직사각형 37">
+            <a:extLst>
+              <a:ext uri="{FF2B5EF4-FFF2-40B4-BE49-F238E27FC236}">
+                <a16:creationId xmlns:a16="http://schemas.microsoft.com/office/drawing/2014/main" id="{7EA3AD63-D1B1-44E3-BD39-CDB565378BD1}"/>
+              </a:ext>
+            </a:extLst>
+          </p:cNvPr>
+          <p:cNvSpPr/>
+          <p:nvPr/>
+        </p:nvSpPr>
+        <p:spPr>
+          <a:xfrm>
+            <a:off x="803429" y="3888820"/>
+            <a:ext cx="1393792" cy="1133940"/>
+          </a:xfrm>
+          <a:prstGeom prst="rect">
+            <a:avLst/>
+          </a:prstGeom>
+          <a:noFill/>
+          <a:ln w="28575"/>
+        </p:spPr>
+        <p:style>
+          <a:lnRef idx="2">
+            <a:schemeClr val="accent1">
+              <a:shade val="50000"/>
+            </a:schemeClr>
+          </a:lnRef>
+          <a:fillRef idx="1">
+            <a:schemeClr val="accent1"/>
+          </a:fillRef>
+          <a:effectRef idx="0">
+            <a:schemeClr val="accent1"/>
+          </a:effectRef>
+          <a:fontRef idx="minor">
+            <a:schemeClr val="lt1"/>
+          </a:fontRef>
+        </p:style>
+        <p:txBody>
+          <a:bodyPr rtlCol="0" anchor="ctr"/>
+          <a:lstStyle/>
+          <a:p>
+            <a:pPr algn="ctr"/>
+            <a:endParaRPr lang="ko-KR" altLang="en-US"/>
+          </a:p>
+        </p:txBody>
+      </p:sp>
+      <p:sp>
+        <p:nvSpPr>
+          <p:cNvPr id="39" name="직사각형 38">
+            <a:extLst>
+              <a:ext uri="{FF2B5EF4-FFF2-40B4-BE49-F238E27FC236}">
+                <a16:creationId xmlns:a16="http://schemas.microsoft.com/office/drawing/2014/main" id="{F45A3B4C-ED34-4ECF-9B21-37A2D4B820FE}"/>
+              </a:ext>
+            </a:extLst>
+          </p:cNvPr>
+          <p:cNvSpPr/>
+          <p:nvPr/>
+        </p:nvSpPr>
+        <p:spPr>
+          <a:xfrm>
+            <a:off x="708996" y="5269018"/>
+            <a:ext cx="545977" cy="259562"/>
+          </a:xfrm>
+          <a:prstGeom prst="rect">
+            <a:avLst/>
+          </a:prstGeom>
+          <a:noFill/>
+          <a:ln w="28575"/>
+        </p:spPr>
+        <p:style>
+          <a:lnRef idx="2">
+            <a:schemeClr val="accent1">
+              <a:shade val="50000"/>
+            </a:schemeClr>
+          </a:lnRef>
+          <a:fillRef idx="1">
+            <a:schemeClr val="accent1"/>
+          </a:fillRef>
+          <a:effectRef idx="0">
+            <a:schemeClr val="accent1"/>
+          </a:effectRef>
+          <a:fontRef idx="minor">
+            <a:schemeClr val="lt1"/>
+          </a:fontRef>
+        </p:style>
+        <p:txBody>
+          <a:bodyPr rtlCol="0" anchor="ctr"/>
+          <a:lstStyle/>
+          <a:p>
+            <a:pPr algn="ctr"/>
+            <a:endParaRPr lang="ko-KR" altLang="en-US"/>
+          </a:p>
+        </p:txBody>
+      </p:sp>
+      <p:sp>
+        <p:nvSpPr>
+          <p:cNvPr id="40" name="TextBox 39">
+            <a:extLst>
+              <a:ext uri="{FF2B5EF4-FFF2-40B4-BE49-F238E27FC236}">
+                <a16:creationId xmlns:a16="http://schemas.microsoft.com/office/drawing/2014/main" id="{4F124615-AB0C-4F6B-A720-A7560AF8DCA4}"/>
+              </a:ext>
+            </a:extLst>
+          </p:cNvPr>
+          <p:cNvSpPr txBox="1"/>
+          <p:nvPr/>
+        </p:nvSpPr>
+        <p:spPr>
+          <a:xfrm>
+            <a:off x="1163764" y="4274758"/>
+            <a:ext cx="646331" cy="369332"/>
+          </a:xfrm>
+          <a:prstGeom prst="rect">
+            <a:avLst/>
+          </a:prstGeom>
+          <a:noFill/>
+        </p:spPr>
+        <p:txBody>
+          <a:bodyPr wrap="none" rtlCol="0">
+            <a:spAutoFit/>
+          </a:bodyPr>
+          <a:lstStyle/>
+          <a:p>
+            <a:r>
+              <a:rPr lang="ko-KR" altLang="en-US" dirty="0"/>
+              <a:t>지도</a:t>
+            </a:r>
+          </a:p>
+        </p:txBody>
+      </p:sp>
+      <p:sp>
+        <p:nvSpPr>
+          <p:cNvPr id="41" name="TextBox 40">
+            <a:extLst>
+              <a:ext uri="{FF2B5EF4-FFF2-40B4-BE49-F238E27FC236}">
+                <a16:creationId xmlns:a16="http://schemas.microsoft.com/office/drawing/2014/main" id="{CC802078-8929-479C-99D5-882FA12630C3}"/>
+              </a:ext>
+            </a:extLst>
+          </p:cNvPr>
+          <p:cNvSpPr txBox="1"/>
+          <p:nvPr/>
+        </p:nvSpPr>
+        <p:spPr>
+          <a:xfrm>
+            <a:off x="776639" y="5320947"/>
+            <a:ext cx="410690" cy="184666"/>
+          </a:xfrm>
+          <a:prstGeom prst="rect">
+            <a:avLst/>
+          </a:prstGeom>
+          <a:noFill/>
+        </p:spPr>
+        <p:txBody>
+          <a:bodyPr wrap="none" rtlCol="0">
+            <a:spAutoFit/>
+          </a:bodyPr>
+          <a:lstStyle/>
+          <a:p>
+            <a:r>
+              <a:rPr lang="en-US" altLang="ko-KR" sz="600" dirty="0"/>
+              <a:t>HOME</a:t>
+            </a:r>
+            <a:endParaRPr lang="ko-KR" altLang="en-US" sz="600" dirty="0"/>
+          </a:p>
+        </p:txBody>
+      </p:sp>
+      <p:sp>
+        <p:nvSpPr>
+          <p:cNvPr id="42" name="TextBox 41">
+            <a:extLst>
+              <a:ext uri="{FF2B5EF4-FFF2-40B4-BE49-F238E27FC236}">
+                <a16:creationId xmlns:a16="http://schemas.microsoft.com/office/drawing/2014/main" id="{93EEF570-4F69-4D9B-B098-F50276A2CA82}"/>
+              </a:ext>
+            </a:extLst>
+          </p:cNvPr>
+          <p:cNvSpPr txBox="1"/>
+          <p:nvPr/>
+        </p:nvSpPr>
+        <p:spPr>
+          <a:xfrm>
+            <a:off x="534958" y="6179075"/>
+            <a:ext cx="1891865" cy="215444"/>
+          </a:xfrm>
+          <a:prstGeom prst="rect">
+            <a:avLst/>
+          </a:prstGeom>
+          <a:noFill/>
+        </p:spPr>
+        <p:txBody>
+          <a:bodyPr wrap="none" rtlCol="0">
+            <a:spAutoFit/>
+          </a:bodyPr>
+          <a:lstStyle/>
+          <a:p>
+            <a:r>
+              <a:rPr lang="en-US" altLang="ko-KR" sz="800" dirty="0"/>
+              <a:t>http://127.0.0.1:8888/test1219/maps/</a:t>
+            </a:r>
+            <a:endParaRPr lang="ko-KR" altLang="en-US" sz="800" dirty="0"/>
+          </a:p>
+        </p:txBody>
+      </p:sp>
+      <p:sp>
+        <p:nvSpPr>
+          <p:cNvPr id="43" name="TextBox 42">
+            <a:extLst>
+              <a:ext uri="{FF2B5EF4-FFF2-40B4-BE49-F238E27FC236}">
+                <a16:creationId xmlns:a16="http://schemas.microsoft.com/office/drawing/2014/main" id="{7390848E-A59C-4403-AB52-45117F9DDC24}"/>
+              </a:ext>
+            </a:extLst>
+          </p:cNvPr>
+          <p:cNvSpPr txBox="1"/>
+          <p:nvPr/>
+        </p:nvSpPr>
+        <p:spPr>
+          <a:xfrm>
+            <a:off x="698663" y="3171386"/>
+            <a:ext cx="1603324" cy="215444"/>
+          </a:xfrm>
+          <a:prstGeom prst="rect">
+            <a:avLst/>
+          </a:prstGeom>
+          <a:noFill/>
+        </p:spPr>
+        <p:txBody>
+          <a:bodyPr wrap="none" rtlCol="0">
+            <a:spAutoFit/>
+          </a:bodyPr>
+          <a:lstStyle/>
+          <a:p>
+            <a:r>
+              <a:rPr lang="en-US" altLang="ko-KR" sz="800" dirty="0"/>
+              <a:t>http://127.0.0.1:8888/test1219/</a:t>
+            </a:r>
+            <a:endParaRPr lang="ko-KR" altLang="en-US" sz="800" dirty="0"/>
+          </a:p>
+        </p:txBody>
+      </p:sp>
+      <p:sp>
+        <p:nvSpPr>
+          <p:cNvPr id="44" name="TextBox 43">
+            <a:extLst>
+              <a:ext uri="{FF2B5EF4-FFF2-40B4-BE49-F238E27FC236}">
+                <a16:creationId xmlns:a16="http://schemas.microsoft.com/office/drawing/2014/main" id="{6D071920-A5DC-4E2D-84B0-FDD3F3F2E91D}"/>
+              </a:ext>
+            </a:extLst>
+          </p:cNvPr>
+          <p:cNvSpPr txBox="1"/>
+          <p:nvPr/>
+        </p:nvSpPr>
+        <p:spPr>
+          <a:xfrm>
+            <a:off x="478622" y="386122"/>
+            <a:ext cx="284052" cy="307777"/>
+          </a:xfrm>
+          <a:prstGeom prst="rect">
+            <a:avLst/>
+          </a:prstGeom>
+          <a:noFill/>
+        </p:spPr>
+        <p:txBody>
+          <a:bodyPr wrap="none" rtlCol="0">
+            <a:spAutoFit/>
+          </a:bodyPr>
+          <a:lstStyle/>
+          <a:p>
+            <a:r>
+              <a:rPr lang="en-US" altLang="ko-KR" sz="1400" dirty="0"/>
+              <a:t>1</a:t>
+            </a:r>
+            <a:endParaRPr lang="ko-KR" altLang="en-US" sz="1400" dirty="0"/>
+          </a:p>
+        </p:txBody>
+      </p:sp>
+      <p:sp>
+        <p:nvSpPr>
+          <p:cNvPr id="45" name="TextBox 44">
+            <a:extLst>
+              <a:ext uri="{FF2B5EF4-FFF2-40B4-BE49-F238E27FC236}">
+                <a16:creationId xmlns:a16="http://schemas.microsoft.com/office/drawing/2014/main" id="{1480E22C-28B5-4746-866D-C54107D4F480}"/>
+              </a:ext>
+            </a:extLst>
+          </p:cNvPr>
+          <p:cNvSpPr txBox="1"/>
+          <p:nvPr/>
+        </p:nvSpPr>
+        <p:spPr>
+          <a:xfrm>
+            <a:off x="3682411" y="1158223"/>
+            <a:ext cx="284052" cy="307777"/>
+          </a:xfrm>
+          <a:prstGeom prst="rect">
+            <a:avLst/>
+          </a:prstGeom>
+          <a:noFill/>
+        </p:spPr>
+        <p:txBody>
+          <a:bodyPr wrap="square" rtlCol="0">
+            <a:spAutoFit/>
+          </a:bodyPr>
+          <a:lstStyle/>
+          <a:p>
+            <a:r>
+              <a:rPr lang="en-US" altLang="ko-KR" sz="1400" dirty="0"/>
+              <a:t>2</a:t>
+            </a:r>
+            <a:endParaRPr lang="ko-KR" altLang="en-US" sz="1400" dirty="0"/>
+          </a:p>
+        </p:txBody>
+      </p:sp>
+      <p:sp>
+        <p:nvSpPr>
+          <p:cNvPr id="46" name="TextBox 45">
+            <a:extLst>
+              <a:ext uri="{FF2B5EF4-FFF2-40B4-BE49-F238E27FC236}">
+                <a16:creationId xmlns:a16="http://schemas.microsoft.com/office/drawing/2014/main" id="{C578CC92-75A7-4703-A663-2BEE825CACCE}"/>
+              </a:ext>
+            </a:extLst>
+          </p:cNvPr>
+          <p:cNvSpPr txBox="1"/>
+          <p:nvPr/>
+        </p:nvSpPr>
+        <p:spPr>
+          <a:xfrm>
+            <a:off x="3682411" y="2152375"/>
+            <a:ext cx="284052" cy="307777"/>
+          </a:xfrm>
+          <a:prstGeom prst="rect">
+            <a:avLst/>
+          </a:prstGeom>
+          <a:noFill/>
+        </p:spPr>
+        <p:txBody>
+          <a:bodyPr wrap="square" rtlCol="0">
+            <a:spAutoFit/>
+          </a:bodyPr>
+          <a:lstStyle/>
+          <a:p>
+            <a:r>
+              <a:rPr lang="en-US" altLang="ko-KR" sz="1400" dirty="0"/>
+              <a:t>3</a:t>
+            </a:r>
+            <a:endParaRPr lang="ko-KR" altLang="en-US" sz="1400" dirty="0"/>
+          </a:p>
+        </p:txBody>
+      </p:sp>
+      <p:sp>
+        <p:nvSpPr>
+          <p:cNvPr id="47" name="TextBox 46">
+            <a:extLst>
+              <a:ext uri="{FF2B5EF4-FFF2-40B4-BE49-F238E27FC236}">
+                <a16:creationId xmlns:a16="http://schemas.microsoft.com/office/drawing/2014/main" id="{2A7E1AB6-427F-40BA-AFA9-72A79830DB57}"/>
+              </a:ext>
+            </a:extLst>
+          </p:cNvPr>
+          <p:cNvSpPr txBox="1"/>
+          <p:nvPr/>
+        </p:nvSpPr>
+        <p:spPr>
+          <a:xfrm>
+            <a:off x="3682411" y="2936556"/>
+            <a:ext cx="284052" cy="307777"/>
+          </a:xfrm>
+          <a:prstGeom prst="rect">
+            <a:avLst/>
+          </a:prstGeom>
+          <a:noFill/>
+        </p:spPr>
+        <p:txBody>
+          <a:bodyPr wrap="square" rtlCol="0">
+            <a:spAutoFit/>
+          </a:bodyPr>
+          <a:lstStyle/>
+          <a:p>
+            <a:r>
+              <a:rPr lang="en-US" altLang="ko-KR" sz="1400" dirty="0"/>
+              <a:t>4</a:t>
+            </a:r>
+            <a:endParaRPr lang="ko-KR" altLang="en-US" sz="1400" dirty="0"/>
+          </a:p>
+        </p:txBody>
+      </p:sp>
+      <p:sp>
+        <p:nvSpPr>
+          <p:cNvPr id="48" name="TextBox 47">
+            <a:extLst>
+              <a:ext uri="{FF2B5EF4-FFF2-40B4-BE49-F238E27FC236}">
+                <a16:creationId xmlns:a16="http://schemas.microsoft.com/office/drawing/2014/main" id="{802FE8E8-200F-480E-A804-FE6BD2444054}"/>
+              </a:ext>
+            </a:extLst>
+          </p:cNvPr>
+          <p:cNvSpPr txBox="1"/>
+          <p:nvPr/>
+        </p:nvSpPr>
+        <p:spPr>
+          <a:xfrm>
+            <a:off x="3682411" y="5096263"/>
+            <a:ext cx="284052" cy="307777"/>
+          </a:xfrm>
+          <a:prstGeom prst="rect">
+            <a:avLst/>
+          </a:prstGeom>
+          <a:noFill/>
+        </p:spPr>
+        <p:txBody>
+          <a:bodyPr wrap="square" rtlCol="0">
+            <a:spAutoFit/>
+          </a:bodyPr>
+          <a:lstStyle/>
+          <a:p>
+            <a:r>
+              <a:rPr lang="en-US" altLang="ko-KR" sz="1400" dirty="0"/>
+              <a:t>5</a:t>
+            </a:r>
+            <a:endParaRPr lang="ko-KR" altLang="en-US" sz="1400" dirty="0"/>
+          </a:p>
+        </p:txBody>
+      </p:sp>
+      <p:sp>
+        <p:nvSpPr>
+          <p:cNvPr id="49" name="TextBox 48">
+            <a:extLst>
+              <a:ext uri="{FF2B5EF4-FFF2-40B4-BE49-F238E27FC236}">
+                <a16:creationId xmlns:a16="http://schemas.microsoft.com/office/drawing/2014/main" id="{32115D0C-46D5-498A-AB95-4FA81CD20433}"/>
+              </a:ext>
+            </a:extLst>
+          </p:cNvPr>
+          <p:cNvSpPr txBox="1"/>
+          <p:nvPr/>
+        </p:nvSpPr>
+        <p:spPr>
+          <a:xfrm>
+            <a:off x="492587" y="3494647"/>
+            <a:ext cx="284052" cy="307777"/>
+          </a:xfrm>
+          <a:prstGeom prst="rect">
+            <a:avLst/>
+          </a:prstGeom>
+          <a:noFill/>
+        </p:spPr>
+        <p:txBody>
+          <a:bodyPr wrap="square" rtlCol="0">
+            <a:spAutoFit/>
+          </a:bodyPr>
+          <a:lstStyle/>
+          <a:p>
+            <a:r>
+              <a:rPr lang="en-US" altLang="ko-KR" sz="1400" dirty="0"/>
+              <a:t>6</a:t>
+            </a:r>
+            <a:endParaRPr lang="ko-KR" altLang="en-US" sz="1400" dirty="0"/>
+          </a:p>
+        </p:txBody>
+      </p:sp>
+      <p:sp>
+        <p:nvSpPr>
+          <p:cNvPr id="50" name="직사각형 49">
+            <a:extLst>
+              <a:ext uri="{FF2B5EF4-FFF2-40B4-BE49-F238E27FC236}">
+                <a16:creationId xmlns:a16="http://schemas.microsoft.com/office/drawing/2014/main" id="{23601523-6932-42E4-9D60-E96E66F0F7D1}"/>
+              </a:ext>
+            </a:extLst>
+          </p:cNvPr>
+          <p:cNvSpPr/>
+          <p:nvPr/>
+        </p:nvSpPr>
+        <p:spPr>
+          <a:xfrm>
+            <a:off x="620647" y="795091"/>
+            <a:ext cx="1761255" cy="1102331"/>
+          </a:xfrm>
+          <a:prstGeom prst="rect">
+            <a:avLst/>
+          </a:prstGeom>
+          <a:noFill/>
+          <a:ln w="28575">
+            <a:solidFill>
+              <a:srgbClr val="C00000"/>
+            </a:solidFill>
+          </a:ln>
+        </p:spPr>
+        <p:style>
+          <a:lnRef idx="2">
+            <a:schemeClr val="accent1">
+              <a:shade val="50000"/>
+            </a:schemeClr>
+          </a:lnRef>
+          <a:fillRef idx="1">
+            <a:schemeClr val="accent1"/>
+          </a:fillRef>
+          <a:effectRef idx="0">
+            <a:schemeClr val="accent1"/>
+          </a:effectRef>
+          <a:fontRef idx="minor">
+            <a:schemeClr val="lt1"/>
+          </a:fontRef>
+        </p:style>
+        <p:txBody>
+          <a:bodyPr rtlCol="0" anchor="ctr"/>
+          <a:lstStyle/>
+          <a:p>
+            <a:pPr algn="ctr"/>
+            <a:endParaRPr lang="ko-KR" altLang="en-US"/>
+          </a:p>
+        </p:txBody>
+      </p:sp>
+      <p:sp>
+        <p:nvSpPr>
+          <p:cNvPr id="51" name="TextBox 50">
+            <a:extLst>
+              <a:ext uri="{FF2B5EF4-FFF2-40B4-BE49-F238E27FC236}">
+                <a16:creationId xmlns:a16="http://schemas.microsoft.com/office/drawing/2014/main" id="{75D515D1-9211-41B7-BA46-E126DA9BC501}"/>
+              </a:ext>
+            </a:extLst>
+          </p:cNvPr>
+          <p:cNvSpPr txBox="1"/>
+          <p:nvPr/>
+        </p:nvSpPr>
+        <p:spPr>
+          <a:xfrm>
+            <a:off x="1190586" y="1174445"/>
+            <a:ext cx="580608" cy="369332"/>
+          </a:xfrm>
+          <a:prstGeom prst="rect">
+            <a:avLst/>
+          </a:prstGeom>
+          <a:noFill/>
+        </p:spPr>
+        <p:txBody>
+          <a:bodyPr wrap="none" rtlCol="0">
+            <a:spAutoFit/>
+          </a:bodyPr>
+          <a:lstStyle/>
+          <a:p>
+            <a:r>
+              <a:rPr lang="en-US" altLang="ko-KR" dirty="0"/>
+              <a:t>CSS</a:t>
+            </a:r>
+            <a:endParaRPr lang="ko-KR" altLang="en-US" dirty="0"/>
+          </a:p>
+        </p:txBody>
+      </p:sp>
+      <p:sp>
+        <p:nvSpPr>
+          <p:cNvPr id="52" name="직사각형 51">
+            <a:extLst>
+              <a:ext uri="{FF2B5EF4-FFF2-40B4-BE49-F238E27FC236}">
+                <a16:creationId xmlns:a16="http://schemas.microsoft.com/office/drawing/2014/main" id="{9665C414-C4B0-4FD6-A696-82C6E170EEF9}"/>
+              </a:ext>
+            </a:extLst>
+          </p:cNvPr>
+          <p:cNvSpPr/>
+          <p:nvPr/>
+        </p:nvSpPr>
+        <p:spPr>
+          <a:xfrm>
+            <a:off x="6831057" y="3648535"/>
+            <a:ext cx="1563641" cy="542513"/>
+          </a:xfrm>
+          <a:prstGeom prst="rect">
+            <a:avLst/>
+          </a:prstGeom>
+          <a:noFill/>
+          <a:ln w="28575">
+            <a:solidFill>
+              <a:srgbClr val="C00000"/>
+            </a:solidFill>
+          </a:ln>
+        </p:spPr>
+        <p:style>
+          <a:lnRef idx="2">
+            <a:schemeClr val="accent1">
+              <a:shade val="50000"/>
+            </a:schemeClr>
+          </a:lnRef>
+          <a:fillRef idx="1">
+            <a:schemeClr val="accent1"/>
+          </a:fillRef>
+          <a:effectRef idx="0">
+            <a:schemeClr val="accent1"/>
+          </a:effectRef>
+          <a:fontRef idx="minor">
+            <a:schemeClr val="lt1"/>
+          </a:fontRef>
+        </p:style>
+        <p:txBody>
+          <a:bodyPr rtlCol="0" anchor="ctr"/>
+          <a:lstStyle/>
+          <a:p>
+            <a:pPr algn="ctr"/>
+            <a:endParaRPr lang="ko-KR" altLang="en-US"/>
+          </a:p>
+        </p:txBody>
+      </p:sp>
+      <p:sp>
+        <p:nvSpPr>
+          <p:cNvPr id="53" name="TextBox 52">
+            <a:extLst>
+              <a:ext uri="{FF2B5EF4-FFF2-40B4-BE49-F238E27FC236}">
+                <a16:creationId xmlns:a16="http://schemas.microsoft.com/office/drawing/2014/main" id="{4BFDB434-D542-4A7D-807D-19441E7CA807}"/>
+              </a:ext>
+            </a:extLst>
+          </p:cNvPr>
+          <p:cNvSpPr txBox="1"/>
+          <p:nvPr/>
+        </p:nvSpPr>
+        <p:spPr>
+          <a:xfrm>
+            <a:off x="7370663" y="3756162"/>
+            <a:ext cx="484428" cy="369332"/>
+          </a:xfrm>
+          <a:prstGeom prst="rect">
+            <a:avLst/>
+          </a:prstGeom>
+          <a:noFill/>
+        </p:spPr>
+        <p:txBody>
+          <a:bodyPr wrap="none" rtlCol="0">
+            <a:spAutoFit/>
+          </a:bodyPr>
+          <a:lstStyle/>
+          <a:p>
+            <a:r>
+              <a:rPr lang="en-US" altLang="ko-KR" dirty="0"/>
+              <a:t>DB</a:t>
+            </a:r>
+            <a:endParaRPr lang="ko-KR" altLang="en-US" dirty="0"/>
+          </a:p>
+        </p:txBody>
+      </p:sp>
+    </p:spTree>
+    <p:extLst>
+      <p:ext uri="{BB962C8B-B14F-4D97-AF65-F5344CB8AC3E}">
+        <p14:creationId xmlns:p14="http://schemas.microsoft.com/office/powerpoint/2010/main" val="2586315201"/>
+      </p:ext>
+    </p:extLst>
+  </p:cSld>
+  <p:clrMapOvr>
+    <a:masterClrMapping/>
+  </p:clrMapOvr>
+</p:sld>
+</file>
+
 <file path=ppt/slides/slide2.xml><?xml version="1.0" encoding="utf-8"?>
 <p:sld xmlns:a="http://schemas.openxmlformats.org/drawingml/2006/main" xmlns:r="http://schemas.openxmlformats.org/officeDocument/2006/relationships" xmlns:p="http://schemas.openxmlformats.org/presentationml/2006/main">
   <p:cSld>
